--- a/docpac_feb11/WeeklyReview.pptx
+++ b/docpac_feb11/WeeklyReview.pptx
@@ -123,109 +123,83 @@
 <file path=ppt/changesInfos/changesInfo1.xml><?xml version="1.0" encoding="utf-8"?>
 <pc:chgInfo xmlns:a="http://schemas.openxmlformats.org/drawingml/2006/main" xmlns:r="http://schemas.openxmlformats.org/officeDocument/2006/relationships" xmlns:ac="http://schemas.microsoft.com/office/drawing/2013/main/command" xmlns:pc="http://schemas.microsoft.com/office/powerpoint/2013/main/command">
   <pc:docChgLst>
+    <pc:chgData name="Christopher Smith" userId="dd7fc2d5-9988-40ef-9498-c94fd49fd9a4" providerId="ADAL" clId="{F9EAC55B-E4CB-4EC9-93C5-0BCCD297DE25}"/>
+    <pc:docChg chg="custSel modSld">
+      <pc:chgData name="Christopher Smith" userId="dd7fc2d5-9988-40ef-9498-c94fd49fd9a4" providerId="ADAL" clId="{F9EAC55B-E4CB-4EC9-93C5-0BCCD297DE25}" dt="2022-02-07T18:41:39.243" v="592"/>
+      <pc:docMkLst>
+        <pc:docMk/>
+      </pc:docMkLst>
+      <pc:sldChg chg="modAnim">
+        <pc:chgData name="Christopher Smith" userId="dd7fc2d5-9988-40ef-9498-c94fd49fd9a4" providerId="ADAL" clId="{F9EAC55B-E4CB-4EC9-93C5-0BCCD297DE25}" dt="2022-02-07T18:41:28.965" v="590"/>
+        <pc:sldMkLst>
+          <pc:docMk/>
+          <pc:sldMk cId="2812628495" sldId="271"/>
+        </pc:sldMkLst>
+      </pc:sldChg>
+      <pc:sldChg chg="modAnim">
+        <pc:chgData name="Christopher Smith" userId="dd7fc2d5-9988-40ef-9498-c94fd49fd9a4" providerId="ADAL" clId="{F9EAC55B-E4CB-4EC9-93C5-0BCCD297DE25}" dt="2022-02-07T18:41:32.637" v="591"/>
+        <pc:sldMkLst>
+          <pc:docMk/>
+          <pc:sldMk cId="3244323559" sldId="274"/>
+        </pc:sldMkLst>
+      </pc:sldChg>
+      <pc:sldChg chg="modSp modAnim">
+        <pc:chgData name="Christopher Smith" userId="dd7fc2d5-9988-40ef-9498-c94fd49fd9a4" providerId="ADAL" clId="{F9EAC55B-E4CB-4EC9-93C5-0BCCD297DE25}" dt="2022-02-07T18:41:39.243" v="592"/>
+        <pc:sldMkLst>
+          <pc:docMk/>
+          <pc:sldMk cId="1069168318" sldId="275"/>
+        </pc:sldMkLst>
+        <pc:spChg chg="mod">
+          <ac:chgData name="Christopher Smith" userId="dd7fc2d5-9988-40ef-9498-c94fd49fd9a4" providerId="ADAL" clId="{F9EAC55B-E4CB-4EC9-93C5-0BCCD297DE25}" dt="2022-02-07T18:20:41.490" v="589" actId="20577"/>
+          <ac:spMkLst>
+            <pc:docMk/>
+            <pc:sldMk cId="1069168318" sldId="275"/>
+            <ac:spMk id="3" creationId="{629EC658-CBFE-4D34-B2F7-CC79FE94984F}"/>
+          </ac:spMkLst>
+        </pc:spChg>
+      </pc:sldChg>
+    </pc:docChg>
+  </pc:docChgLst>
+  <pc:docChgLst>
+    <pc:chgData name="Christopher Smith" userId="dd7fc2d5-9988-40ef-9498-c94fd49fd9a4" providerId="ADAL" clId="{80D747C6-076E-4998-BAD5-1FD408321E60}"/>
+    <pc:docChg chg="modSld">
+      <pc:chgData name="Christopher Smith" userId="dd7fc2d5-9988-40ef-9498-c94fd49fd9a4" providerId="ADAL" clId="{80D747C6-076E-4998-BAD5-1FD408321E60}" dt="2022-01-18T16:11:01.117" v="3"/>
+      <pc:docMkLst>
+        <pc:docMk/>
+      </pc:docMkLst>
+    </pc:docChg>
+  </pc:docChgLst>
+  <pc:docChgLst>
+    <pc:chgData name="Christopher Smith" userId="dd7fc2d5-9988-40ef-9498-c94fd49fd9a4" providerId="ADAL" clId="{534B7050-A031-4BB8-8A86-52106BEB9AB7}"/>
+    <pc:docChg chg="undo redo custSel addSld delSld modSld sldOrd">
+      <pc:chgData name="Christopher Smith" userId="dd7fc2d5-9988-40ef-9498-c94fd49fd9a4" providerId="ADAL" clId="{534B7050-A031-4BB8-8A86-52106BEB9AB7}" dt="2022-01-24T21:00:10.149" v="1499"/>
+      <pc:docMkLst>
+        <pc:docMk/>
+      </pc:docMkLst>
+      <pc:sldChg chg="modSp">
+        <pc:chgData name="Christopher Smith" userId="dd7fc2d5-9988-40ef-9498-c94fd49fd9a4" providerId="ADAL" clId="{534B7050-A031-4BB8-8A86-52106BEB9AB7}" dt="2022-01-24T20:17:55.637" v="12" actId="20577"/>
+        <pc:sldMkLst>
+          <pc:docMk/>
+          <pc:sldMk cId="2854341820" sldId="256"/>
+        </pc:sldMkLst>
+        <pc:spChg chg="mod">
+          <ac:chgData name="Christopher Smith" userId="dd7fc2d5-9988-40ef-9498-c94fd49fd9a4" providerId="ADAL" clId="{534B7050-A031-4BB8-8A86-52106BEB9AB7}" dt="2022-01-24T20:17:55.637" v="12" actId="20577"/>
+          <ac:spMkLst>
+            <pc:docMk/>
+            <pc:sldMk cId="2854341820" sldId="256"/>
+            <ac:spMk id="2" creationId="{8416994D-544B-48E2-AE49-6ED72BA455A3}"/>
+          </ac:spMkLst>
+        </pc:spChg>
+      </pc:sldChg>
+    </pc:docChg>
+  </pc:docChgLst>
+  <pc:docChgLst>
     <pc:chgData name="SMITH, CHRISTOPHER" userId="dd7fc2d5-9988-40ef-9498-c94fd49fd9a4" providerId="ADAL" clId="{59E6A48B-EF36-4B79-93D5-64BEB6A4C63E}"/>
     <pc:docChg chg="custSel addSld delSld modSld">
       <pc:chgData name="SMITH, CHRISTOPHER" userId="dd7fc2d5-9988-40ef-9498-c94fd49fd9a4" providerId="ADAL" clId="{59E6A48B-EF36-4B79-93D5-64BEB6A4C63E}" dt="2022-01-31T13:52:35.594" v="2289" actId="20577"/>
       <pc:docMkLst>
         <pc:docMk/>
       </pc:docMkLst>
-      <pc:sldChg chg="modSp modAnim">
-        <pc:chgData name="SMITH, CHRISTOPHER" userId="dd7fc2d5-9988-40ef-9498-c94fd49fd9a4" providerId="ADAL" clId="{59E6A48B-EF36-4B79-93D5-64BEB6A4C63E}" dt="2022-01-31T13:47:39.932" v="1894" actId="20577"/>
-        <pc:sldMkLst>
-          <pc:docMk/>
-          <pc:sldMk cId="3805420812" sldId="259"/>
-        </pc:sldMkLst>
-        <pc:spChg chg="mod">
-          <ac:chgData name="SMITH, CHRISTOPHER" userId="dd7fc2d5-9988-40ef-9498-c94fd49fd9a4" providerId="ADAL" clId="{59E6A48B-EF36-4B79-93D5-64BEB6A4C63E}" dt="2022-01-31T13:22:59.397" v="34" actId="20577"/>
-          <ac:spMkLst>
-            <pc:docMk/>
-            <pc:sldMk cId="3805420812" sldId="259"/>
-            <ac:spMk id="2" creationId="{38534906-9BBF-463A-8D9A-A01B395E4EB4}"/>
-          </ac:spMkLst>
-        </pc:spChg>
-        <pc:spChg chg="mod">
-          <ac:chgData name="SMITH, CHRISTOPHER" userId="dd7fc2d5-9988-40ef-9498-c94fd49fd9a4" providerId="ADAL" clId="{59E6A48B-EF36-4B79-93D5-64BEB6A4C63E}" dt="2022-01-31T13:47:39.932" v="1894" actId="20577"/>
-          <ac:spMkLst>
-            <pc:docMk/>
-            <pc:sldMk cId="3805420812" sldId="259"/>
-            <ac:spMk id="3" creationId="{B9E5D367-D237-4E23-B824-EFA9D6549F5D}"/>
-          </ac:spMkLst>
-        </pc:spChg>
-      </pc:sldChg>
-      <pc:sldChg chg="del">
-        <pc:chgData name="SMITH, CHRISTOPHER" userId="dd7fc2d5-9988-40ef-9498-c94fd49fd9a4" providerId="ADAL" clId="{59E6A48B-EF36-4B79-93D5-64BEB6A4C63E}" dt="2022-01-31T13:32:50.734" v="597" actId="2696"/>
-        <pc:sldMkLst>
-          <pc:docMk/>
-          <pc:sldMk cId="582423652" sldId="262"/>
-        </pc:sldMkLst>
-      </pc:sldChg>
-      <pc:sldChg chg="del">
-        <pc:chgData name="SMITH, CHRISTOPHER" userId="dd7fc2d5-9988-40ef-9498-c94fd49fd9a4" providerId="ADAL" clId="{59E6A48B-EF36-4B79-93D5-64BEB6A4C63E}" dt="2022-01-31T13:32:51.374" v="598" actId="2696"/>
-        <pc:sldMkLst>
-          <pc:docMk/>
-          <pc:sldMk cId="2084979498" sldId="263"/>
-        </pc:sldMkLst>
-      </pc:sldChg>
-      <pc:sldChg chg="del">
-        <pc:chgData name="SMITH, CHRISTOPHER" userId="dd7fc2d5-9988-40ef-9498-c94fd49fd9a4" providerId="ADAL" clId="{59E6A48B-EF36-4B79-93D5-64BEB6A4C63E}" dt="2022-01-31T13:32:49.552" v="595" actId="2696"/>
-        <pc:sldMkLst>
-          <pc:docMk/>
-          <pc:sldMk cId="3657143412" sldId="264"/>
-        </pc:sldMkLst>
-      </pc:sldChg>
-      <pc:sldChg chg="del">
-        <pc:chgData name="SMITH, CHRISTOPHER" userId="dd7fc2d5-9988-40ef-9498-c94fd49fd9a4" providerId="ADAL" clId="{59E6A48B-EF36-4B79-93D5-64BEB6A4C63E}" dt="2022-01-31T13:32:50.508" v="596" actId="2696"/>
-        <pc:sldMkLst>
-          <pc:docMk/>
-          <pc:sldMk cId="1976847749" sldId="265"/>
-        </pc:sldMkLst>
-      </pc:sldChg>
-      <pc:sldChg chg="modSp add modAnim">
-        <pc:chgData name="SMITH, CHRISTOPHER" userId="dd7fc2d5-9988-40ef-9498-c94fd49fd9a4" providerId="ADAL" clId="{59E6A48B-EF36-4B79-93D5-64BEB6A4C63E}" dt="2022-01-31T13:52:35.594" v="2289" actId="20577"/>
-        <pc:sldMkLst>
-          <pc:docMk/>
-          <pc:sldMk cId="3122868583" sldId="266"/>
-        </pc:sldMkLst>
-        <pc:spChg chg="mod">
-          <ac:chgData name="SMITH, CHRISTOPHER" userId="dd7fc2d5-9988-40ef-9498-c94fd49fd9a4" providerId="ADAL" clId="{59E6A48B-EF36-4B79-93D5-64BEB6A4C63E}" dt="2022-01-31T13:29:50.996" v="250" actId="20577"/>
-          <ac:spMkLst>
-            <pc:docMk/>
-            <pc:sldMk cId="3122868583" sldId="266"/>
-            <ac:spMk id="2" creationId="{60AEA855-46A8-41FC-A066-608201F1BD52}"/>
-          </ac:spMkLst>
-        </pc:spChg>
-        <pc:spChg chg="mod">
-          <ac:chgData name="SMITH, CHRISTOPHER" userId="dd7fc2d5-9988-40ef-9498-c94fd49fd9a4" providerId="ADAL" clId="{59E6A48B-EF36-4B79-93D5-64BEB6A4C63E}" dt="2022-01-31T13:52:35.594" v="2289" actId="20577"/>
-          <ac:spMkLst>
-            <pc:docMk/>
-            <pc:sldMk cId="3122868583" sldId="266"/>
-            <ac:spMk id="3" creationId="{D878B2E8-858B-4630-80E6-55C862670A15}"/>
-          </ac:spMkLst>
-        </pc:spChg>
-      </pc:sldChg>
-      <pc:sldChg chg="modSp add modAnim">
-        <pc:chgData name="SMITH, CHRISTOPHER" userId="dd7fc2d5-9988-40ef-9498-c94fd49fd9a4" providerId="ADAL" clId="{59E6A48B-EF36-4B79-93D5-64BEB6A4C63E}" dt="2022-01-31T13:50:44.338" v="2238"/>
-        <pc:sldMkLst>
-          <pc:docMk/>
-          <pc:sldMk cId="3655159181" sldId="267"/>
-        </pc:sldMkLst>
-        <pc:spChg chg="mod">
-          <ac:chgData name="SMITH, CHRISTOPHER" userId="dd7fc2d5-9988-40ef-9498-c94fd49fd9a4" providerId="ADAL" clId="{59E6A48B-EF36-4B79-93D5-64BEB6A4C63E}" dt="2022-01-31T13:33:49.883" v="662" actId="20577"/>
-          <ac:spMkLst>
-            <pc:docMk/>
-            <pc:sldMk cId="3655159181" sldId="267"/>
-            <ac:spMk id="2" creationId="{5D07A8F3-F37C-4F84-99D6-3DC3DD670363}"/>
-          </ac:spMkLst>
-        </pc:spChg>
-        <pc:spChg chg="mod">
-          <ac:chgData name="SMITH, CHRISTOPHER" userId="dd7fc2d5-9988-40ef-9498-c94fd49fd9a4" providerId="ADAL" clId="{59E6A48B-EF36-4B79-93D5-64BEB6A4C63E}" dt="2022-01-31T13:35:32.846" v="835" actId="20577"/>
-          <ac:spMkLst>
-            <pc:docMk/>
-            <pc:sldMk cId="3655159181" sldId="267"/>
-            <ac:spMk id="3" creationId="{40673A85-75B3-4A53-9500-00D67B30C544}"/>
-          </ac:spMkLst>
-        </pc:spChg>
-      </pc:sldChg>
       <pc:sldChg chg="addSp modSp add modAnim">
         <pc:chgData name="SMITH, CHRISTOPHER" userId="dd7fc2d5-9988-40ef-9498-c94fd49fd9a4" providerId="ADAL" clId="{59E6A48B-EF36-4B79-93D5-64BEB6A4C63E}" dt="2022-01-31T13:50:47.602" v="2239"/>
         <pc:sldMkLst>
@@ -305,69 +279,6 @@
       </pc:sldChg>
     </pc:docChg>
   </pc:docChgLst>
-  <pc:docChgLst>
-    <pc:chgData name="Christopher Smith" userId="dd7fc2d5-9988-40ef-9498-c94fd49fd9a4" providerId="ADAL" clId="{80D747C6-076E-4998-BAD5-1FD408321E60}"/>
-    <pc:docChg chg="modSld">
-      <pc:chgData name="Christopher Smith" userId="dd7fc2d5-9988-40ef-9498-c94fd49fd9a4" providerId="ADAL" clId="{80D747C6-076E-4998-BAD5-1FD408321E60}" dt="2022-01-18T16:11:01.117" v="3"/>
-      <pc:docMkLst>
-        <pc:docMk/>
-      </pc:docMkLst>
-      <pc:sldChg chg="modAnim">
-        <pc:chgData name="Christopher Smith" userId="dd7fc2d5-9988-40ef-9498-c94fd49fd9a4" providerId="ADAL" clId="{80D747C6-076E-4998-BAD5-1FD408321E60}" dt="2022-01-18T16:10:55.286" v="0"/>
-        <pc:sldMkLst>
-          <pc:docMk/>
-          <pc:sldMk cId="3805420812" sldId="259"/>
-        </pc:sldMkLst>
-      </pc:sldChg>
-    </pc:docChg>
-  </pc:docChgLst>
-  <pc:docChgLst>
-    <pc:chgData name="Christopher Smith" userId="dd7fc2d5-9988-40ef-9498-c94fd49fd9a4" providerId="ADAL" clId="{534B7050-A031-4BB8-8A86-52106BEB9AB7}"/>
-    <pc:docChg chg="undo redo custSel addSld delSld modSld sldOrd">
-      <pc:chgData name="Christopher Smith" userId="dd7fc2d5-9988-40ef-9498-c94fd49fd9a4" providerId="ADAL" clId="{534B7050-A031-4BB8-8A86-52106BEB9AB7}" dt="2022-01-24T21:00:10.149" v="1499"/>
-      <pc:docMkLst>
-        <pc:docMk/>
-      </pc:docMkLst>
-      <pc:sldChg chg="modSp">
-        <pc:chgData name="Christopher Smith" userId="dd7fc2d5-9988-40ef-9498-c94fd49fd9a4" providerId="ADAL" clId="{534B7050-A031-4BB8-8A86-52106BEB9AB7}" dt="2022-01-24T20:17:55.637" v="12" actId="20577"/>
-        <pc:sldMkLst>
-          <pc:docMk/>
-          <pc:sldMk cId="2854341820" sldId="256"/>
-        </pc:sldMkLst>
-        <pc:spChg chg="mod">
-          <ac:chgData name="Christopher Smith" userId="dd7fc2d5-9988-40ef-9498-c94fd49fd9a4" providerId="ADAL" clId="{534B7050-A031-4BB8-8A86-52106BEB9AB7}" dt="2022-01-24T20:17:55.637" v="12" actId="20577"/>
-          <ac:spMkLst>
-            <pc:docMk/>
-            <pc:sldMk cId="2854341820" sldId="256"/>
-            <ac:spMk id="2" creationId="{8416994D-544B-48E2-AE49-6ED72BA455A3}"/>
-          </ac:spMkLst>
-        </pc:spChg>
-      </pc:sldChg>
-      <pc:sldChg chg="modSp modAnim">
-        <pc:chgData name="Christopher Smith" userId="dd7fc2d5-9988-40ef-9498-c94fd49fd9a4" providerId="ADAL" clId="{534B7050-A031-4BB8-8A86-52106BEB9AB7}" dt="2022-01-24T20:24:27.260" v="734" actId="20577"/>
-        <pc:sldMkLst>
-          <pc:docMk/>
-          <pc:sldMk cId="3805420812" sldId="259"/>
-        </pc:sldMkLst>
-        <pc:spChg chg="mod">
-          <ac:chgData name="Christopher Smith" userId="dd7fc2d5-9988-40ef-9498-c94fd49fd9a4" providerId="ADAL" clId="{534B7050-A031-4BB8-8A86-52106BEB9AB7}" dt="2022-01-24T20:18:10.333" v="50" actId="20577"/>
-          <ac:spMkLst>
-            <pc:docMk/>
-            <pc:sldMk cId="3805420812" sldId="259"/>
-            <ac:spMk id="2" creationId="{38534906-9BBF-463A-8D9A-A01B395E4EB4}"/>
-          </ac:spMkLst>
-        </pc:spChg>
-        <pc:spChg chg="mod">
-          <ac:chgData name="Christopher Smith" userId="dd7fc2d5-9988-40ef-9498-c94fd49fd9a4" providerId="ADAL" clId="{534B7050-A031-4BB8-8A86-52106BEB9AB7}" dt="2022-01-24T20:24:27.260" v="734" actId="20577"/>
-          <ac:spMkLst>
-            <pc:docMk/>
-            <pc:sldMk cId="3805420812" sldId="259"/>
-            <ac:spMk id="3" creationId="{B9E5D367-D237-4E23-B824-EFA9D6549F5D}"/>
-          </ac:spMkLst>
-        </pc:spChg>
-      </pc:sldChg>
-    </pc:docChg>
-  </pc:docChgLst>
 </pc:chgInfo>
 </file>
 
@@ -518,7 +429,7 @@
           <a:p>
             <a:fld id="{158B72E8-B12F-4F24-84EA-C15599633662}" type="datetimeFigureOut">
               <a:rPr lang="en-US" smtClean="0"/>
-              <a:t>2/6/2022</a:t>
+              <a:t>2/7/2022</a:t>
             </a:fld>
             <a:endParaRPr lang="en-US"/>
           </a:p>
@@ -716,7 +627,7 @@
           <a:p>
             <a:fld id="{158B72E8-B12F-4F24-84EA-C15599633662}" type="datetimeFigureOut">
               <a:rPr lang="en-US" smtClean="0"/>
-              <a:t>2/6/2022</a:t>
+              <a:t>2/7/2022</a:t>
             </a:fld>
             <a:endParaRPr lang="en-US"/>
           </a:p>
@@ -924,7 +835,7 @@
           <a:p>
             <a:fld id="{158B72E8-B12F-4F24-84EA-C15599633662}" type="datetimeFigureOut">
               <a:rPr lang="en-US" smtClean="0"/>
-              <a:t>2/6/2022</a:t>
+              <a:t>2/7/2022</a:t>
             </a:fld>
             <a:endParaRPr lang="en-US"/>
           </a:p>
@@ -1122,7 +1033,7 @@
           <a:p>
             <a:fld id="{158B72E8-B12F-4F24-84EA-C15599633662}" type="datetimeFigureOut">
               <a:rPr lang="en-US" smtClean="0"/>
-              <a:t>2/6/2022</a:t>
+              <a:t>2/7/2022</a:t>
             </a:fld>
             <a:endParaRPr lang="en-US"/>
           </a:p>
@@ -1397,7 +1308,7 @@
           <a:p>
             <a:fld id="{158B72E8-B12F-4F24-84EA-C15599633662}" type="datetimeFigureOut">
               <a:rPr lang="en-US" smtClean="0"/>
-              <a:t>2/6/2022</a:t>
+              <a:t>2/7/2022</a:t>
             </a:fld>
             <a:endParaRPr lang="en-US"/>
           </a:p>
@@ -1662,7 +1573,7 @@
           <a:p>
             <a:fld id="{158B72E8-B12F-4F24-84EA-C15599633662}" type="datetimeFigureOut">
               <a:rPr lang="en-US" smtClean="0"/>
-              <a:t>2/6/2022</a:t>
+              <a:t>2/7/2022</a:t>
             </a:fld>
             <a:endParaRPr lang="en-US"/>
           </a:p>
@@ -2074,7 +1985,7 @@
           <a:p>
             <a:fld id="{158B72E8-B12F-4F24-84EA-C15599633662}" type="datetimeFigureOut">
               <a:rPr lang="en-US" smtClean="0"/>
-              <a:t>2/6/2022</a:t>
+              <a:t>2/7/2022</a:t>
             </a:fld>
             <a:endParaRPr lang="en-US"/>
           </a:p>
@@ -2215,7 +2126,7 @@
           <a:p>
             <a:fld id="{158B72E8-B12F-4F24-84EA-C15599633662}" type="datetimeFigureOut">
               <a:rPr lang="en-US" smtClean="0"/>
-              <a:t>2/6/2022</a:t>
+              <a:t>2/7/2022</a:t>
             </a:fld>
             <a:endParaRPr lang="en-US"/>
           </a:p>
@@ -2328,7 +2239,7 @@
           <a:p>
             <a:fld id="{158B72E8-B12F-4F24-84EA-C15599633662}" type="datetimeFigureOut">
               <a:rPr lang="en-US" smtClean="0"/>
-              <a:t>2/6/2022</a:t>
+              <a:t>2/7/2022</a:t>
             </a:fld>
             <a:endParaRPr lang="en-US"/>
           </a:p>
@@ -2639,7 +2550,7 @@
           <a:p>
             <a:fld id="{158B72E8-B12F-4F24-84EA-C15599633662}" type="datetimeFigureOut">
               <a:rPr lang="en-US" smtClean="0"/>
-              <a:t>2/6/2022</a:t>
+              <a:t>2/7/2022</a:t>
             </a:fld>
             <a:endParaRPr lang="en-US"/>
           </a:p>
@@ -2927,7 +2838,7 @@
           <a:p>
             <a:fld id="{158B72E8-B12F-4F24-84EA-C15599633662}" type="datetimeFigureOut">
               <a:rPr lang="en-US" smtClean="0"/>
-              <a:t>2/6/2022</a:t>
+              <a:t>2/7/2022</a:t>
             </a:fld>
             <a:endParaRPr lang="en-US"/>
           </a:p>
@@ -3168,7 +3079,7 @@
           <a:p>
             <a:fld id="{158B72E8-B12F-4F24-84EA-C15599633662}" type="datetimeFigureOut">
               <a:rPr lang="en-US" smtClean="0"/>
-              <a:t>2/6/2022</a:t>
+              <a:t>2/7/2022</a:t>
             </a:fld>
             <a:endParaRPr lang="en-US"/>
           </a:p>
@@ -3817,7 +3728,7 @@
           <a:graphicData uri="http://schemas.openxmlformats.org/presentationml/2006/ole">
             <mc:AlternateContent xmlns:mc="http://schemas.openxmlformats.org/markup-compatibility/2006">
               <mc:Choice xmlns:v="urn:schemas-microsoft-com:vml" Requires="v">
-                <p:oleObj spid="_x0000_s1029" name="Bitmap Image" r:id="rId3" imgW="724001" imgH="2790476" progId="Paint.Picture">
+                <p:oleObj spid="_x0000_s1026" name="Bitmap Image" r:id="rId3" imgW="724001" imgH="2790476" progId="Paint.Picture">
                   <p:embed/>
                 </p:oleObj>
               </mc:Choice>
@@ -4461,6 +4372,266 @@
   <p:clrMapOvr>
     <a:masterClrMapping/>
   </p:clrMapOvr>
+  <p:timing>
+    <p:tnLst>
+      <p:par>
+        <p:cTn id="1" dur="indefinite" restart="never" nodeType="tmRoot">
+          <p:childTnLst>
+            <p:seq concurrent="1" nextAc="seek">
+              <p:cTn id="2" dur="indefinite" nodeType="mainSeq">
+                <p:childTnLst>
+                  <p:par>
+                    <p:cTn id="3" fill="hold">
+                      <p:stCondLst>
+                        <p:cond delay="indefinite"/>
+                      </p:stCondLst>
+                      <p:childTnLst>
+                        <p:par>
+                          <p:cTn id="4" fill="hold">
+                            <p:stCondLst>
+                              <p:cond delay="0"/>
+                            </p:stCondLst>
+                            <p:childTnLst>
+                              <p:par>
+                                <p:cTn id="5" presetID="1" presetClass="entr" presetSubtype="0" fill="hold" grpId="0" nodeType="clickEffect">
+                                  <p:stCondLst>
+                                    <p:cond delay="0"/>
+                                  </p:stCondLst>
+                                  <p:childTnLst>
+                                    <p:set>
+                                      <p:cBhvr>
+                                        <p:cTn id="6" dur="1" fill="hold">
+                                          <p:stCondLst>
+                                            <p:cond delay="0"/>
+                                          </p:stCondLst>
+                                        </p:cTn>
+                                        <p:tgtEl>
+                                          <p:spTgt spid="3">
+                                            <p:txEl>
+                                              <p:pRg st="0" end="0"/>
+                                            </p:txEl>
+                                          </p:spTgt>
+                                        </p:tgtEl>
+                                        <p:attrNameLst>
+                                          <p:attrName>style.visibility</p:attrName>
+                                        </p:attrNameLst>
+                                      </p:cBhvr>
+                                      <p:to>
+                                        <p:strVal val="visible"/>
+                                      </p:to>
+                                    </p:set>
+                                  </p:childTnLst>
+                                </p:cTn>
+                              </p:par>
+                            </p:childTnLst>
+                          </p:cTn>
+                        </p:par>
+                      </p:childTnLst>
+                    </p:cTn>
+                  </p:par>
+                  <p:par>
+                    <p:cTn id="7" fill="hold">
+                      <p:stCondLst>
+                        <p:cond delay="indefinite"/>
+                      </p:stCondLst>
+                      <p:childTnLst>
+                        <p:par>
+                          <p:cTn id="8" fill="hold">
+                            <p:stCondLst>
+                              <p:cond delay="0"/>
+                            </p:stCondLst>
+                            <p:childTnLst>
+                              <p:par>
+                                <p:cTn id="9" presetID="1" presetClass="entr" presetSubtype="0" fill="hold" grpId="0" nodeType="clickEffect">
+                                  <p:stCondLst>
+                                    <p:cond delay="0"/>
+                                  </p:stCondLst>
+                                  <p:childTnLst>
+                                    <p:set>
+                                      <p:cBhvr>
+                                        <p:cTn id="10" dur="1" fill="hold">
+                                          <p:stCondLst>
+                                            <p:cond delay="0"/>
+                                          </p:stCondLst>
+                                        </p:cTn>
+                                        <p:tgtEl>
+                                          <p:spTgt spid="3">
+                                            <p:txEl>
+                                              <p:pRg st="1" end="1"/>
+                                            </p:txEl>
+                                          </p:spTgt>
+                                        </p:tgtEl>
+                                        <p:attrNameLst>
+                                          <p:attrName>style.visibility</p:attrName>
+                                        </p:attrNameLst>
+                                      </p:cBhvr>
+                                      <p:to>
+                                        <p:strVal val="visible"/>
+                                      </p:to>
+                                    </p:set>
+                                  </p:childTnLst>
+                                </p:cTn>
+                              </p:par>
+                            </p:childTnLst>
+                          </p:cTn>
+                        </p:par>
+                      </p:childTnLst>
+                    </p:cTn>
+                  </p:par>
+                  <p:par>
+                    <p:cTn id="11" fill="hold">
+                      <p:stCondLst>
+                        <p:cond delay="indefinite"/>
+                      </p:stCondLst>
+                      <p:childTnLst>
+                        <p:par>
+                          <p:cTn id="12" fill="hold">
+                            <p:stCondLst>
+                              <p:cond delay="0"/>
+                            </p:stCondLst>
+                            <p:childTnLst>
+                              <p:par>
+                                <p:cTn id="13" presetID="1" presetClass="entr" presetSubtype="0" fill="hold" grpId="0" nodeType="clickEffect">
+                                  <p:stCondLst>
+                                    <p:cond delay="0"/>
+                                  </p:stCondLst>
+                                  <p:childTnLst>
+                                    <p:set>
+                                      <p:cBhvr>
+                                        <p:cTn id="14" dur="1" fill="hold">
+                                          <p:stCondLst>
+                                            <p:cond delay="0"/>
+                                          </p:stCondLst>
+                                        </p:cTn>
+                                        <p:tgtEl>
+                                          <p:spTgt spid="3">
+                                            <p:txEl>
+                                              <p:pRg st="2" end="2"/>
+                                            </p:txEl>
+                                          </p:spTgt>
+                                        </p:tgtEl>
+                                        <p:attrNameLst>
+                                          <p:attrName>style.visibility</p:attrName>
+                                        </p:attrNameLst>
+                                      </p:cBhvr>
+                                      <p:to>
+                                        <p:strVal val="visible"/>
+                                      </p:to>
+                                    </p:set>
+                                  </p:childTnLst>
+                                </p:cTn>
+                              </p:par>
+                              <p:par>
+                                <p:cTn id="15" presetID="1" presetClass="entr" presetSubtype="0" fill="hold" grpId="0" nodeType="withEffect">
+                                  <p:stCondLst>
+                                    <p:cond delay="0"/>
+                                  </p:stCondLst>
+                                  <p:childTnLst>
+                                    <p:set>
+                                      <p:cBhvr>
+                                        <p:cTn id="16" dur="1" fill="hold">
+                                          <p:stCondLst>
+                                            <p:cond delay="0"/>
+                                          </p:stCondLst>
+                                        </p:cTn>
+                                        <p:tgtEl>
+                                          <p:spTgt spid="3">
+                                            <p:txEl>
+                                              <p:pRg st="3" end="3"/>
+                                            </p:txEl>
+                                          </p:spTgt>
+                                        </p:tgtEl>
+                                        <p:attrNameLst>
+                                          <p:attrName>style.visibility</p:attrName>
+                                        </p:attrNameLst>
+                                      </p:cBhvr>
+                                      <p:to>
+                                        <p:strVal val="visible"/>
+                                      </p:to>
+                                    </p:set>
+                                  </p:childTnLst>
+                                </p:cTn>
+                              </p:par>
+                            </p:childTnLst>
+                          </p:cTn>
+                        </p:par>
+                      </p:childTnLst>
+                    </p:cTn>
+                  </p:par>
+                  <p:par>
+                    <p:cTn id="17" fill="hold">
+                      <p:stCondLst>
+                        <p:cond delay="indefinite"/>
+                      </p:stCondLst>
+                      <p:childTnLst>
+                        <p:par>
+                          <p:cTn id="18" fill="hold">
+                            <p:stCondLst>
+                              <p:cond delay="0"/>
+                            </p:stCondLst>
+                            <p:childTnLst>
+                              <p:par>
+                                <p:cTn id="19" presetID="1" presetClass="entr" presetSubtype="0" fill="hold" grpId="0" nodeType="clickEffect">
+                                  <p:stCondLst>
+                                    <p:cond delay="0"/>
+                                  </p:stCondLst>
+                                  <p:childTnLst>
+                                    <p:set>
+                                      <p:cBhvr>
+                                        <p:cTn id="20" dur="1" fill="hold">
+                                          <p:stCondLst>
+                                            <p:cond delay="0"/>
+                                          </p:stCondLst>
+                                        </p:cTn>
+                                        <p:tgtEl>
+                                          <p:spTgt spid="3">
+                                            <p:txEl>
+                                              <p:pRg st="4" end="4"/>
+                                            </p:txEl>
+                                          </p:spTgt>
+                                        </p:tgtEl>
+                                        <p:attrNameLst>
+                                          <p:attrName>style.visibility</p:attrName>
+                                        </p:attrNameLst>
+                                      </p:cBhvr>
+                                      <p:to>
+                                        <p:strVal val="visible"/>
+                                      </p:to>
+                                    </p:set>
+                                  </p:childTnLst>
+                                </p:cTn>
+                              </p:par>
+                            </p:childTnLst>
+                          </p:cTn>
+                        </p:par>
+                      </p:childTnLst>
+                    </p:cTn>
+                  </p:par>
+                </p:childTnLst>
+              </p:cTn>
+              <p:prevCondLst>
+                <p:cond evt="onPrev" delay="0">
+                  <p:tgtEl>
+                    <p:sldTgt/>
+                  </p:tgtEl>
+                </p:cond>
+              </p:prevCondLst>
+              <p:nextCondLst>
+                <p:cond evt="onNext" delay="0">
+                  <p:tgtEl>
+                    <p:sldTgt/>
+                  </p:tgtEl>
+                </p:cond>
+              </p:nextCondLst>
+            </p:seq>
+          </p:childTnLst>
+        </p:cTn>
+      </p:par>
+    </p:tnLst>
+    <p:bldLst>
+      <p:bldP spid="3" grpId="0" build="p"/>
+    </p:bldLst>
+  </p:timing>
 </p:sld>
 </file>
 
@@ -4731,6 +4902,235 @@
   <p:clrMapOvr>
     <a:masterClrMapping/>
   </p:clrMapOvr>
+  <p:timing>
+    <p:tnLst>
+      <p:par>
+        <p:cTn id="1" dur="indefinite" restart="never" nodeType="tmRoot">
+          <p:childTnLst>
+            <p:seq concurrent="1" nextAc="seek">
+              <p:cTn id="2" dur="indefinite" nodeType="mainSeq">
+                <p:childTnLst>
+                  <p:par>
+                    <p:cTn id="3" fill="hold">
+                      <p:stCondLst>
+                        <p:cond delay="indefinite"/>
+                      </p:stCondLst>
+                      <p:childTnLst>
+                        <p:par>
+                          <p:cTn id="4" fill="hold">
+                            <p:stCondLst>
+                              <p:cond delay="0"/>
+                            </p:stCondLst>
+                            <p:childTnLst>
+                              <p:par>
+                                <p:cTn id="5" presetID="1" presetClass="entr" presetSubtype="0" fill="hold" grpId="0" nodeType="clickEffect">
+                                  <p:stCondLst>
+                                    <p:cond delay="0"/>
+                                  </p:stCondLst>
+                                  <p:childTnLst>
+                                    <p:set>
+                                      <p:cBhvr>
+                                        <p:cTn id="6" dur="1" fill="hold">
+                                          <p:stCondLst>
+                                            <p:cond delay="0"/>
+                                          </p:stCondLst>
+                                        </p:cTn>
+                                        <p:tgtEl>
+                                          <p:spTgt spid="3">
+                                            <p:txEl>
+                                              <p:pRg st="0" end="0"/>
+                                            </p:txEl>
+                                          </p:spTgt>
+                                        </p:tgtEl>
+                                        <p:attrNameLst>
+                                          <p:attrName>style.visibility</p:attrName>
+                                        </p:attrNameLst>
+                                      </p:cBhvr>
+                                      <p:to>
+                                        <p:strVal val="visible"/>
+                                      </p:to>
+                                    </p:set>
+                                  </p:childTnLst>
+                                </p:cTn>
+                              </p:par>
+                            </p:childTnLst>
+                          </p:cTn>
+                        </p:par>
+                      </p:childTnLst>
+                    </p:cTn>
+                  </p:par>
+                  <p:par>
+                    <p:cTn id="7" fill="hold">
+                      <p:stCondLst>
+                        <p:cond delay="indefinite"/>
+                      </p:stCondLst>
+                      <p:childTnLst>
+                        <p:par>
+                          <p:cTn id="8" fill="hold">
+                            <p:stCondLst>
+                              <p:cond delay="0"/>
+                            </p:stCondLst>
+                            <p:childTnLst>
+                              <p:par>
+                                <p:cTn id="9" presetID="1" presetClass="entr" presetSubtype="0" fill="hold" grpId="0" nodeType="clickEffect">
+                                  <p:stCondLst>
+                                    <p:cond delay="0"/>
+                                  </p:stCondLst>
+                                  <p:childTnLst>
+                                    <p:set>
+                                      <p:cBhvr>
+                                        <p:cTn id="10" dur="1" fill="hold">
+                                          <p:stCondLst>
+                                            <p:cond delay="0"/>
+                                          </p:stCondLst>
+                                        </p:cTn>
+                                        <p:tgtEl>
+                                          <p:spTgt spid="3">
+                                            <p:txEl>
+                                              <p:pRg st="1" end="1"/>
+                                            </p:txEl>
+                                          </p:spTgt>
+                                        </p:tgtEl>
+                                        <p:attrNameLst>
+                                          <p:attrName>style.visibility</p:attrName>
+                                        </p:attrNameLst>
+                                      </p:cBhvr>
+                                      <p:to>
+                                        <p:strVal val="visible"/>
+                                      </p:to>
+                                    </p:set>
+                                  </p:childTnLst>
+                                </p:cTn>
+                              </p:par>
+                            </p:childTnLst>
+                          </p:cTn>
+                        </p:par>
+                      </p:childTnLst>
+                    </p:cTn>
+                  </p:par>
+                  <p:par>
+                    <p:cTn id="11" fill="hold">
+                      <p:stCondLst>
+                        <p:cond delay="indefinite"/>
+                      </p:stCondLst>
+                      <p:childTnLst>
+                        <p:par>
+                          <p:cTn id="12" fill="hold">
+                            <p:stCondLst>
+                              <p:cond delay="0"/>
+                            </p:stCondLst>
+                            <p:childTnLst>
+                              <p:par>
+                                <p:cTn id="13" presetID="1" presetClass="entr" presetSubtype="0" fill="hold" grpId="0" nodeType="clickEffect">
+                                  <p:stCondLst>
+                                    <p:cond delay="0"/>
+                                  </p:stCondLst>
+                                  <p:childTnLst>
+                                    <p:set>
+                                      <p:cBhvr>
+                                        <p:cTn id="14" dur="1" fill="hold">
+                                          <p:stCondLst>
+                                            <p:cond delay="0"/>
+                                          </p:stCondLst>
+                                        </p:cTn>
+                                        <p:tgtEl>
+                                          <p:spTgt spid="3">
+                                            <p:txEl>
+                                              <p:pRg st="2" end="2"/>
+                                            </p:txEl>
+                                          </p:spTgt>
+                                        </p:tgtEl>
+                                        <p:attrNameLst>
+                                          <p:attrName>style.visibility</p:attrName>
+                                        </p:attrNameLst>
+                                      </p:cBhvr>
+                                      <p:to>
+                                        <p:strVal val="visible"/>
+                                      </p:to>
+                                    </p:set>
+                                  </p:childTnLst>
+                                </p:cTn>
+                              </p:par>
+                            </p:childTnLst>
+                          </p:cTn>
+                        </p:par>
+                      </p:childTnLst>
+                    </p:cTn>
+                  </p:par>
+                  <p:par>
+                    <p:cTn id="15" fill="hold">
+                      <p:stCondLst>
+                        <p:cond delay="indefinite"/>
+                      </p:stCondLst>
+                      <p:childTnLst>
+                        <p:par>
+                          <p:cTn id="16" fill="hold">
+                            <p:stCondLst>
+                              <p:cond delay="0"/>
+                            </p:stCondLst>
+                            <p:childTnLst>
+                              <p:par>
+                                <p:cTn id="17" presetID="1" presetClass="entr" presetSubtype="0" fill="hold" grpId="0" nodeType="clickEffect">
+                                  <p:stCondLst>
+                                    <p:cond delay="0"/>
+                                  </p:stCondLst>
+                                  <p:childTnLst>
+                                    <p:set>
+                                      <p:cBhvr>
+                                        <p:cTn id="18" dur="1" fill="hold">
+                                          <p:stCondLst>
+                                            <p:cond delay="0"/>
+                                          </p:stCondLst>
+                                        </p:cTn>
+                                        <p:tgtEl>
+                                          <p:spTgt spid="3">
+                                            <p:txEl>
+                                              <p:pRg st="3" end="3"/>
+                                            </p:txEl>
+                                          </p:spTgt>
+                                        </p:tgtEl>
+                                        <p:attrNameLst>
+                                          <p:attrName>style.visibility</p:attrName>
+                                        </p:attrNameLst>
+                                      </p:cBhvr>
+                                      <p:to>
+                                        <p:strVal val="visible"/>
+                                      </p:to>
+                                    </p:set>
+                                  </p:childTnLst>
+                                </p:cTn>
+                              </p:par>
+                            </p:childTnLst>
+                          </p:cTn>
+                        </p:par>
+                      </p:childTnLst>
+                    </p:cTn>
+                  </p:par>
+                </p:childTnLst>
+              </p:cTn>
+              <p:prevCondLst>
+                <p:cond evt="onPrev" delay="0">
+                  <p:tgtEl>
+                    <p:sldTgt/>
+                  </p:tgtEl>
+                </p:cond>
+              </p:prevCondLst>
+              <p:nextCondLst>
+                <p:cond evt="onNext" delay="0">
+                  <p:tgtEl>
+                    <p:sldTgt/>
+                  </p:tgtEl>
+                </p:cond>
+              </p:nextCondLst>
+            </p:seq>
+          </p:childTnLst>
+        </p:cTn>
+      </p:par>
+    </p:tnLst>
+    <p:bldLst>
+      <p:bldP spid="3" grpId="0" build="p"/>
+    </p:bldLst>
+  </p:timing>
 </p:sld>
 </file>
 
@@ -5715,7 +6115,52 @@
           <a:bodyPr/>
           <a:lstStyle/>
           <a:p>
-            <a:endParaRPr lang="en-US"/>
+            <a:r>
+              <a:rPr lang="en-US" dirty="0"/>
+              <a:t>Converting Excel to CSV to JSON to SQL</a:t>
+            </a:r>
+          </a:p>
+          <a:p>
+            <a:r>
+              <a:rPr lang="en-US" dirty="0"/>
+              <a:t>As some of your team is working on that, start building a web page that can retrieve data and display it just like your comments page.</a:t>
+            </a:r>
+          </a:p>
+          <a:p>
+            <a:r>
+              <a:rPr lang="en-US" dirty="0"/>
+              <a:t>Combine the two so you can search an SQLite3 database for DocPac information and display it on the page.</a:t>
+            </a:r>
+          </a:p>
+          <a:p>
+            <a:r>
+              <a:rPr lang="en-US" dirty="0" err="1"/>
+              <a:t>JSChallenge</a:t>
+            </a:r>
+            <a:r>
+              <a:rPr lang="en-US" dirty="0"/>
+              <a:t> #9 is coming tomorrow</a:t>
+            </a:r>
+          </a:p>
+          <a:p>
+            <a:r>
+              <a:rPr lang="en-US" dirty="0"/>
+              <a:t>Professionalism Lesson is planned for tomorrow morning, even though the DocPac says Thursday (I don’t know how long I’ll be sick)</a:t>
+            </a:r>
+          </a:p>
+          <a:p>
+            <a:r>
+              <a:rPr lang="en-US" dirty="0"/>
+              <a:t>Do not forget to rewrite your </a:t>
+            </a:r>
+            <a:r>
+              <a:rPr lang="en-US" dirty="0" err="1"/>
+              <a:t>Nocti</a:t>
+            </a:r>
+            <a:r>
+              <a:rPr lang="en-US" dirty="0"/>
+              <a:t> Flow Chart (JSC9 will support this)</a:t>
+            </a:r>
           </a:p>
         </p:txBody>
       </p:sp>
@@ -5729,6 +6174,333 @@
   <p:clrMapOvr>
     <a:masterClrMapping/>
   </p:clrMapOvr>
+  <p:timing>
+    <p:tnLst>
+      <p:par>
+        <p:cTn id="1" dur="indefinite" restart="never" nodeType="tmRoot">
+          <p:childTnLst>
+            <p:seq concurrent="1" nextAc="seek">
+              <p:cTn id="2" dur="indefinite" nodeType="mainSeq">
+                <p:childTnLst>
+                  <p:par>
+                    <p:cTn id="3" fill="hold">
+                      <p:stCondLst>
+                        <p:cond delay="indefinite"/>
+                      </p:stCondLst>
+                      <p:childTnLst>
+                        <p:par>
+                          <p:cTn id="4" fill="hold">
+                            <p:stCondLst>
+                              <p:cond delay="0"/>
+                            </p:stCondLst>
+                            <p:childTnLst>
+                              <p:par>
+                                <p:cTn id="5" presetID="1" presetClass="entr" presetSubtype="0" fill="hold" grpId="0" nodeType="clickEffect">
+                                  <p:stCondLst>
+                                    <p:cond delay="0"/>
+                                  </p:stCondLst>
+                                  <p:childTnLst>
+                                    <p:set>
+                                      <p:cBhvr>
+                                        <p:cTn id="6" dur="1" fill="hold">
+                                          <p:stCondLst>
+                                            <p:cond delay="0"/>
+                                          </p:stCondLst>
+                                        </p:cTn>
+                                        <p:tgtEl>
+                                          <p:spTgt spid="3">
+                                            <p:txEl>
+                                              <p:pRg st="0" end="0"/>
+                                            </p:txEl>
+                                          </p:spTgt>
+                                        </p:tgtEl>
+                                        <p:attrNameLst>
+                                          <p:attrName>style.visibility</p:attrName>
+                                        </p:attrNameLst>
+                                      </p:cBhvr>
+                                      <p:to>
+                                        <p:strVal val="visible"/>
+                                      </p:to>
+                                    </p:set>
+                                  </p:childTnLst>
+                                </p:cTn>
+                              </p:par>
+                            </p:childTnLst>
+                          </p:cTn>
+                        </p:par>
+                      </p:childTnLst>
+                    </p:cTn>
+                  </p:par>
+                  <p:par>
+                    <p:cTn id="7" fill="hold">
+                      <p:stCondLst>
+                        <p:cond delay="indefinite"/>
+                      </p:stCondLst>
+                      <p:childTnLst>
+                        <p:par>
+                          <p:cTn id="8" fill="hold">
+                            <p:stCondLst>
+                              <p:cond delay="0"/>
+                            </p:stCondLst>
+                            <p:childTnLst>
+                              <p:par>
+                                <p:cTn id="9" presetID="1" presetClass="entr" presetSubtype="0" fill="hold" grpId="0" nodeType="clickEffect">
+                                  <p:stCondLst>
+                                    <p:cond delay="0"/>
+                                  </p:stCondLst>
+                                  <p:childTnLst>
+                                    <p:set>
+                                      <p:cBhvr>
+                                        <p:cTn id="10" dur="1" fill="hold">
+                                          <p:stCondLst>
+                                            <p:cond delay="0"/>
+                                          </p:stCondLst>
+                                        </p:cTn>
+                                        <p:tgtEl>
+                                          <p:spTgt spid="3">
+                                            <p:txEl>
+                                              <p:pRg st="1" end="1"/>
+                                            </p:txEl>
+                                          </p:spTgt>
+                                        </p:tgtEl>
+                                        <p:attrNameLst>
+                                          <p:attrName>style.visibility</p:attrName>
+                                        </p:attrNameLst>
+                                      </p:cBhvr>
+                                      <p:to>
+                                        <p:strVal val="visible"/>
+                                      </p:to>
+                                    </p:set>
+                                  </p:childTnLst>
+                                </p:cTn>
+                              </p:par>
+                            </p:childTnLst>
+                          </p:cTn>
+                        </p:par>
+                      </p:childTnLst>
+                    </p:cTn>
+                  </p:par>
+                  <p:par>
+                    <p:cTn id="11" fill="hold">
+                      <p:stCondLst>
+                        <p:cond delay="indefinite"/>
+                      </p:stCondLst>
+                      <p:childTnLst>
+                        <p:par>
+                          <p:cTn id="12" fill="hold">
+                            <p:stCondLst>
+                              <p:cond delay="0"/>
+                            </p:stCondLst>
+                            <p:childTnLst>
+                              <p:par>
+                                <p:cTn id="13" presetID="1" presetClass="entr" presetSubtype="0" fill="hold" grpId="0" nodeType="clickEffect">
+                                  <p:stCondLst>
+                                    <p:cond delay="0"/>
+                                  </p:stCondLst>
+                                  <p:childTnLst>
+                                    <p:set>
+                                      <p:cBhvr>
+                                        <p:cTn id="14" dur="1" fill="hold">
+                                          <p:stCondLst>
+                                            <p:cond delay="0"/>
+                                          </p:stCondLst>
+                                        </p:cTn>
+                                        <p:tgtEl>
+                                          <p:spTgt spid="3">
+                                            <p:txEl>
+                                              <p:pRg st="2" end="2"/>
+                                            </p:txEl>
+                                          </p:spTgt>
+                                        </p:tgtEl>
+                                        <p:attrNameLst>
+                                          <p:attrName>style.visibility</p:attrName>
+                                        </p:attrNameLst>
+                                      </p:cBhvr>
+                                      <p:to>
+                                        <p:strVal val="visible"/>
+                                      </p:to>
+                                    </p:set>
+                                  </p:childTnLst>
+                                </p:cTn>
+                              </p:par>
+                            </p:childTnLst>
+                          </p:cTn>
+                        </p:par>
+                      </p:childTnLst>
+                    </p:cTn>
+                  </p:par>
+                  <p:par>
+                    <p:cTn id="15" fill="hold">
+                      <p:stCondLst>
+                        <p:cond delay="indefinite"/>
+                      </p:stCondLst>
+                      <p:childTnLst>
+                        <p:par>
+                          <p:cTn id="16" fill="hold">
+                            <p:stCondLst>
+                              <p:cond delay="0"/>
+                            </p:stCondLst>
+                            <p:childTnLst>
+                              <p:par>
+                                <p:cTn id="17" presetID="1" presetClass="entr" presetSubtype="0" fill="hold" grpId="0" nodeType="clickEffect">
+                                  <p:stCondLst>
+                                    <p:cond delay="0"/>
+                                  </p:stCondLst>
+                                  <p:childTnLst>
+                                    <p:set>
+                                      <p:cBhvr>
+                                        <p:cTn id="18" dur="1" fill="hold">
+                                          <p:stCondLst>
+                                            <p:cond delay="0"/>
+                                          </p:stCondLst>
+                                        </p:cTn>
+                                        <p:tgtEl>
+                                          <p:spTgt spid="3">
+                                            <p:txEl>
+                                              <p:pRg st="3" end="3"/>
+                                            </p:txEl>
+                                          </p:spTgt>
+                                        </p:tgtEl>
+                                        <p:attrNameLst>
+                                          <p:attrName>style.visibility</p:attrName>
+                                        </p:attrNameLst>
+                                      </p:cBhvr>
+                                      <p:to>
+                                        <p:strVal val="visible"/>
+                                      </p:to>
+                                    </p:set>
+                                  </p:childTnLst>
+                                </p:cTn>
+                              </p:par>
+                            </p:childTnLst>
+                          </p:cTn>
+                        </p:par>
+                      </p:childTnLst>
+                    </p:cTn>
+                  </p:par>
+                  <p:par>
+                    <p:cTn id="19" fill="hold">
+                      <p:stCondLst>
+                        <p:cond delay="indefinite"/>
+                      </p:stCondLst>
+                      <p:childTnLst>
+                        <p:par>
+                          <p:cTn id="20" fill="hold">
+                            <p:stCondLst>
+                              <p:cond delay="0"/>
+                            </p:stCondLst>
+                            <p:childTnLst>
+                              <p:par>
+                                <p:cTn id="21" presetID="1" presetClass="entr" presetSubtype="0" fill="hold" grpId="0" nodeType="clickEffect">
+                                  <p:stCondLst>
+                                    <p:cond delay="0"/>
+                                  </p:stCondLst>
+                                  <p:childTnLst>
+                                    <p:set>
+                                      <p:cBhvr>
+                                        <p:cTn id="22" dur="1" fill="hold">
+                                          <p:stCondLst>
+                                            <p:cond delay="0"/>
+                                          </p:stCondLst>
+                                        </p:cTn>
+                                        <p:tgtEl>
+                                          <p:spTgt spid="3">
+                                            <p:txEl>
+                                              <p:pRg st="4" end="4"/>
+                                            </p:txEl>
+                                          </p:spTgt>
+                                        </p:tgtEl>
+                                        <p:attrNameLst>
+                                          <p:attrName>style.visibility</p:attrName>
+                                        </p:attrNameLst>
+                                      </p:cBhvr>
+                                      <p:to>
+                                        <p:strVal val="visible"/>
+                                      </p:to>
+                                    </p:set>
+                                  </p:childTnLst>
+                                </p:cTn>
+                              </p:par>
+                            </p:childTnLst>
+                          </p:cTn>
+                        </p:par>
+                      </p:childTnLst>
+                    </p:cTn>
+                  </p:par>
+                  <p:par>
+                    <p:cTn id="23" fill="hold">
+                      <p:stCondLst>
+                        <p:cond delay="indefinite"/>
+                      </p:stCondLst>
+                      <p:childTnLst>
+                        <p:par>
+                          <p:cTn id="24" fill="hold">
+                            <p:stCondLst>
+                              <p:cond delay="0"/>
+                            </p:stCondLst>
+                            <p:childTnLst>
+                              <p:par>
+                                <p:cTn id="25" presetID="1" presetClass="entr" presetSubtype="0" fill="hold" grpId="0" nodeType="clickEffect">
+                                  <p:stCondLst>
+                                    <p:cond delay="0"/>
+                                  </p:stCondLst>
+                                  <p:childTnLst>
+                                    <p:set>
+                                      <p:cBhvr>
+                                        <p:cTn id="26" dur="1" fill="hold">
+                                          <p:stCondLst>
+                                            <p:cond delay="0"/>
+                                          </p:stCondLst>
+                                        </p:cTn>
+                                        <p:tgtEl>
+                                          <p:spTgt spid="3">
+                                            <p:txEl>
+                                              <p:pRg st="5" end="5"/>
+                                            </p:txEl>
+                                          </p:spTgt>
+                                        </p:tgtEl>
+                                        <p:attrNameLst>
+                                          <p:attrName>style.visibility</p:attrName>
+                                        </p:attrNameLst>
+                                      </p:cBhvr>
+                                      <p:to>
+                                        <p:strVal val="visible"/>
+                                      </p:to>
+                                    </p:set>
+                                  </p:childTnLst>
+                                </p:cTn>
+                              </p:par>
+                            </p:childTnLst>
+                          </p:cTn>
+                        </p:par>
+                      </p:childTnLst>
+                    </p:cTn>
+                  </p:par>
+                </p:childTnLst>
+              </p:cTn>
+              <p:prevCondLst>
+                <p:cond evt="onPrev" delay="0">
+                  <p:tgtEl>
+                    <p:sldTgt/>
+                  </p:tgtEl>
+                </p:cond>
+              </p:prevCondLst>
+              <p:nextCondLst>
+                <p:cond evt="onNext" delay="0">
+                  <p:tgtEl>
+                    <p:sldTgt/>
+                  </p:tgtEl>
+                </p:cond>
+              </p:nextCondLst>
+            </p:seq>
+          </p:childTnLst>
+        </p:cTn>
+      </p:par>
+    </p:tnLst>
+    <p:bldLst>
+      <p:bldP spid="3" grpId="0" build="p"/>
+    </p:bldLst>
+  </p:timing>
 </p:sld>
 </file>
 
@@ -6257,18 +7029,18 @@
 </file>
 
 <file path=customXml/item2.xml><?xml version="1.0" encoding="utf-8"?>
-<p:properties xmlns:p="http://schemas.microsoft.com/office/2006/metadata/properties" xmlns:xsi="http://www.w3.org/2001/XMLSchema-instance" xmlns:pc="http://schemas.microsoft.com/office/infopath/2007/PartnerControls">
-  <documentManagement/>
-</p:properties>
-</file>
-
-<file path=customXml/item3.xml><?xml version="1.0" encoding="utf-8"?>
 <?mso-contentType ?>
 <FormTemplates xmlns="http://schemas.microsoft.com/sharepoint/v3/contenttype/forms">
   <Display>DocumentLibraryForm</Display>
   <Edit>DocumentLibraryForm</Edit>
   <New>DocumentLibraryForm</New>
 </FormTemplates>
+</file>
+
+<file path=customXml/item3.xml><?xml version="1.0" encoding="utf-8"?>
+<p:properties xmlns:p="http://schemas.microsoft.com/office/2006/metadata/properties" xmlns:xsi="http://www.w3.org/2001/XMLSchema-instance" xmlns:pc="http://schemas.microsoft.com/office/infopath/2007/PartnerControls">
+  <documentManagement/>
+</p:properties>
 </file>
 
 <file path=customXml/itemProps1.xml><?xml version="1.0" encoding="utf-8"?>
@@ -6291,26 +7063,26 @@
 </file>
 
 <file path=customXml/itemProps2.xml><?xml version="1.0" encoding="utf-8"?>
-<ds:datastoreItem xmlns:ds="http://schemas.openxmlformats.org/officeDocument/2006/customXml" ds:itemID="{82A546FB-9270-4554-87AE-89FE30D805B0}">
+<ds:datastoreItem xmlns:ds="http://schemas.openxmlformats.org/officeDocument/2006/customXml" ds:itemID="{FFF71063-750A-4F15-A0E6-049A2BA10D5D}">
   <ds:schemaRefs>
-    <ds:schemaRef ds:uri="fc2bff61-6a31-4c51-9f32-b9bba46405e5"/>
-    <ds:schemaRef ds:uri="http://purl.org/dc/terms/"/>
-    <ds:schemaRef ds:uri="http://purl.org/dc/dcmitype/"/>
-    <ds:schemaRef ds:uri="cc9255bc-4d99-4f42-bba5-857cbcc6e725"/>
-    <ds:schemaRef ds:uri="http://schemas.microsoft.com/office/infopath/2007/PartnerControls"/>
-    <ds:schemaRef ds:uri="http://purl.org/dc/elements/1.1/"/>
-    <ds:schemaRef ds:uri="http://schemas.microsoft.com/office/2006/metadata/properties"/>
-    <ds:schemaRef ds:uri="http://www.w3.org/XML/1998/namespace"/>
-    <ds:schemaRef ds:uri="http://schemas.microsoft.com/office/2006/documentManagement/types"/>
-    <ds:schemaRef ds:uri="http://schemas.openxmlformats.org/package/2006/metadata/core-properties"/>
+    <ds:schemaRef ds:uri="http://schemas.microsoft.com/sharepoint/v3/contenttype/forms"/>
   </ds:schemaRefs>
 </ds:datastoreItem>
 </file>
 
 <file path=customXml/itemProps3.xml><?xml version="1.0" encoding="utf-8"?>
-<ds:datastoreItem xmlns:ds="http://schemas.openxmlformats.org/officeDocument/2006/customXml" ds:itemID="{FFF71063-750A-4F15-A0E6-049A2BA10D5D}">
+<ds:datastoreItem xmlns:ds="http://schemas.openxmlformats.org/officeDocument/2006/customXml" ds:itemID="{82A546FB-9270-4554-87AE-89FE30D805B0}">
   <ds:schemaRefs>
-    <ds:schemaRef ds:uri="http://schemas.microsoft.com/sharepoint/v3/contenttype/forms"/>
+    <ds:schemaRef ds:uri="fc2bff61-6a31-4c51-9f32-b9bba46405e5"/>
+    <ds:schemaRef ds:uri="http://schemas.microsoft.com/office/2006/documentManagement/types"/>
+    <ds:schemaRef ds:uri="cc9255bc-4d99-4f42-bba5-857cbcc6e725"/>
+    <ds:schemaRef ds:uri="http://purl.org/dc/elements/1.1/"/>
+    <ds:schemaRef ds:uri="http://schemas.microsoft.com/office/2006/metadata/properties"/>
+    <ds:schemaRef ds:uri="http://schemas.microsoft.com/office/infopath/2007/PartnerControls"/>
+    <ds:schemaRef ds:uri="http://purl.org/dc/dcmitype/"/>
+    <ds:schemaRef ds:uri="http://schemas.openxmlformats.org/package/2006/metadata/core-properties"/>
+    <ds:schemaRef ds:uri="http://www.w3.org/XML/1998/namespace"/>
+    <ds:schemaRef ds:uri="http://purl.org/dc/terms/"/>
   </ds:schemaRefs>
 </ds:datastoreItem>
 </file>